--- a/Presentations/MPSC-Mutex.pptx
+++ b/Presentations/MPSC-Mutex.pptx
@@ -300,7 +300,7 @@
             <a:fld id="{1D8BD707-D9CF-40AE-B4C6-C98DA3205C09}" type="datetimeFigureOut">
               <a:rPr lang="en-US" smtClean="0"/>
               <a:pPr/>
-              <a:t>5/13/2014</a:t>
+              <a:t>5/27/2014</a:t>
             </a:fld>
             <a:endParaRPr lang="en-US"/>
           </a:p>
@@ -502,7 +502,7 @@
             <a:fld id="{1D8BD707-D9CF-40AE-B4C6-C98DA3205C09}" type="datetimeFigureOut">
               <a:rPr lang="en-US" smtClean="0"/>
               <a:pPr/>
-              <a:t>5/13/2014</a:t>
+              <a:t>5/27/2014</a:t>
             </a:fld>
             <a:endParaRPr lang="en-US"/>
           </a:p>
@@ -679,7 +679,7 @@
             <a:fld id="{1D8BD707-D9CF-40AE-B4C6-C98DA3205C09}" type="datetimeFigureOut">
               <a:rPr lang="en-US" smtClean="0"/>
               <a:pPr/>
-              <a:t>5/13/2014</a:t>
+              <a:t>5/27/2014</a:t>
             </a:fld>
             <a:endParaRPr lang="en-US"/>
           </a:p>
@@ -846,7 +846,7 @@
             <a:fld id="{1D8BD707-D9CF-40AE-B4C6-C98DA3205C09}" type="datetimeFigureOut">
               <a:rPr lang="en-US" smtClean="0"/>
               <a:pPr/>
-              <a:t>5/13/2014</a:t>
+              <a:t>5/27/2014</a:t>
             </a:fld>
             <a:endParaRPr lang="en-US"/>
           </a:p>
@@ -1096,7 +1096,7 @@
             <a:fld id="{1D8BD707-D9CF-40AE-B4C6-C98DA3205C09}" type="datetimeFigureOut">
               <a:rPr lang="en-US" smtClean="0"/>
               <a:pPr/>
-              <a:t>5/13/2014</a:t>
+              <a:t>5/27/2014</a:t>
             </a:fld>
             <a:endParaRPr lang="en-US"/>
           </a:p>
@@ -1416,7 +1416,7 @@
             <a:fld id="{1D8BD707-D9CF-40AE-B4C6-C98DA3205C09}" type="datetimeFigureOut">
               <a:rPr lang="en-US" smtClean="0"/>
               <a:pPr/>
-              <a:t>5/13/2014</a:t>
+              <a:t>5/27/2014</a:t>
             </a:fld>
             <a:endParaRPr lang="en-US"/>
           </a:p>
@@ -1884,7 +1884,7 @@
             <a:fld id="{1D8BD707-D9CF-40AE-B4C6-C98DA3205C09}" type="datetimeFigureOut">
               <a:rPr lang="en-US" smtClean="0"/>
               <a:pPr/>
-              <a:t>5/13/2014</a:t>
+              <a:t>5/27/2014</a:t>
             </a:fld>
             <a:endParaRPr lang="en-US"/>
           </a:p>
@@ -2034,7 +2034,7 @@
             <a:fld id="{1D8BD707-D9CF-40AE-B4C6-C98DA3205C09}" type="datetimeFigureOut">
               <a:rPr lang="en-US" smtClean="0"/>
               <a:pPr/>
-              <a:t>5/13/2014</a:t>
+              <a:t>5/27/2014</a:t>
             </a:fld>
             <a:endParaRPr lang="en-US"/>
           </a:p>
@@ -2126,7 +2126,7 @@
             <a:fld id="{1D8BD707-D9CF-40AE-B4C6-C98DA3205C09}" type="datetimeFigureOut">
               <a:rPr lang="en-US" smtClean="0"/>
               <a:pPr/>
-              <a:t>5/13/2014</a:t>
+              <a:t>5/27/2014</a:t>
             </a:fld>
             <a:endParaRPr lang="en-US"/>
           </a:p>
@@ -2402,7 +2402,7 @@
             <a:fld id="{1D8BD707-D9CF-40AE-B4C6-C98DA3205C09}" type="datetimeFigureOut">
               <a:rPr lang="en-US" smtClean="0"/>
               <a:pPr/>
-              <a:t>5/13/2014</a:t>
+              <a:t>5/27/2014</a:t>
             </a:fld>
             <a:endParaRPr lang="en-US"/>
           </a:p>
@@ -2709,7 +2709,7 @@
             <a:fld id="{1D8BD707-D9CF-40AE-B4C6-C98DA3205C09}" type="datetimeFigureOut">
               <a:rPr lang="en-US" smtClean="0"/>
               <a:pPr/>
-              <a:t>5/13/2014</a:t>
+              <a:t>5/27/2014</a:t>
             </a:fld>
             <a:endParaRPr lang="en-US"/>
           </a:p>
@@ -3009,7 +3009,7 @@
             <a:fld id="{1D8BD707-D9CF-40AE-B4C6-C98DA3205C09}" type="datetimeFigureOut">
               <a:rPr lang="en-US" smtClean="0"/>
               <a:pPr/>
-              <a:t>5/13/2014</a:t>
+              <a:t>5/27/2014</a:t>
             </a:fld>
             <a:endParaRPr lang="en-US"/>
           </a:p>
@@ -3569,24 +3569,45 @@
           <a:lstStyle/>
           <a:p>
             <a:r>
+              <a:rPr lang="en-US" sz="1600" dirty="0"/>
+              <a:t>It’s a </a:t>
+            </a:r>
+            <a:r>
+              <a:rPr lang="en-US" sz="1600" dirty="0" err="1"/>
+              <a:t>mutex</a:t>
+            </a:r>
+            <a:r>
+              <a:rPr lang="en-US" sz="1600" dirty="0"/>
+              <a:t> that uses the MPSC queue as part of its synchronization mechanism. </a:t>
+            </a:r>
+            <a:r>
+              <a:rPr lang="en-US" sz="1600" dirty="0"/>
+              <a:t>This is </a:t>
+            </a:r>
+            <a:r>
               <a:rPr lang="en-US" sz="1600" dirty="0" smtClean="0"/>
-              <a:t>It’s a </a:t>
-            </a:r>
-            <a:r>
-              <a:rPr lang="en-US" sz="1600" dirty="0" err="1" smtClean="0"/>
-              <a:t>mutex</a:t>
+              <a:t>actually a very </a:t>
+            </a:r>
+            <a:r>
+              <a:rPr lang="en-US" sz="1600" b="1" dirty="0" smtClean="0"/>
+              <a:t>simple variant of the CLH Lock</a:t>
             </a:r>
             <a:r>
               <a:rPr lang="en-US" sz="1600" dirty="0" smtClean="0"/>
-              <a:t> that uses the MPSC queue as part of its synchronization mechanism</a:t>
-            </a:r>
-            <a:r>
-              <a:rPr lang="en-US" sz="1200" dirty="0" smtClean="0"/>
-              <a:t>. </a:t>
+              <a:t>:</a:t>
+            </a:r>
+          </a:p>
+          <a:p>
+            <a:endParaRPr lang="en-US" sz="1600" dirty="0"/>
+          </a:p>
+          <a:p>
+            <a:r>
+              <a:rPr lang="en-US" sz="1600" dirty="0" smtClean="0"/>
+              <a:t>The </a:t>
             </a:r>
             <a:r>
               <a:rPr lang="en-US" sz="1600" dirty="0"/>
-              <a:t>The MPSC queue was discovered by Dmitry </a:t>
+              <a:t>MPSC queue was discovered by Dmitry </a:t>
             </a:r>
             <a:r>
               <a:rPr lang="en-US" sz="1600" dirty="0" err="1"/>
@@ -3598,22 +3619,22 @@
             </a:r>
           </a:p>
           <a:p>
-            <a:pPr marL="0" indent="0">
+            <a:pPr marL="274320" lvl="1" indent="0">
               <a:buNone/>
             </a:pPr>
             <a:r>
-              <a:rPr lang="en-US" sz="1200" dirty="0" smtClean="0">
+              <a:rPr lang="en-US" sz="1100" dirty="0" smtClean="0">
                 <a:hlinkClick r:id="rId2"/>
               </a:rPr>
               <a:t>http</a:t>
             </a:r>
             <a:r>
-              <a:rPr lang="en-US" sz="1200" dirty="0">
+              <a:rPr lang="en-US" sz="1100" dirty="0">
                 <a:hlinkClick r:id="rId2"/>
               </a:rPr>
               <a:t>://www.1024cores.net/home/lock-free-algorithms/queues/non-intrusive-mpsc-node-based-queue</a:t>
             </a:r>
-            <a:endParaRPr lang="en-US" sz="1200" dirty="0"/>
+            <a:endParaRPr lang="en-US" sz="1100" dirty="0"/>
           </a:p>
           <a:p>
             <a:endParaRPr lang="en-US" sz="1600" dirty="0" smtClean="0"/>
@@ -3621,7 +3642,11 @@
           <a:p>
             <a:r>
               <a:rPr lang="en-US" sz="1600" dirty="0" smtClean="0"/>
-              <a:t>It is strictly </a:t>
+              <a:t>It </a:t>
+            </a:r>
+            <a:r>
+              <a:rPr lang="en-US" sz="1600" dirty="0" smtClean="0"/>
+              <a:t>is strictly </a:t>
             </a:r>
             <a:r>
               <a:rPr lang="en-US" sz="1600" b="1" dirty="0" smtClean="0"/>
